--- a/Algoritmul lui Kruskal.pptx
+++ b/Algoritmul lui Kruskal.pptx
@@ -118,6 +118,11 @@
       </a:defRPr>
     </a:lvl9pPr>
   </p:defaultTextStyle>
+  <p:extLst>
+    <p:ext uri="{EFAFB233-063F-42B5-8137-9DF3F51BA10A}">
+      <p15:sldGuideLst xmlns:p15="http://schemas.microsoft.com/office/powerpoint/2012/main"/>
+    </p:ext>
+  </p:extLst>
 </p:presentation>
 </file>
 
@@ -289,7 +294,7 @@
           <a:p>
             <a:fld id="{58ADA21A-D7E6-423A-A796-9FF71BEFE561}" type="datetimeFigureOut">
               <a:rPr lang="ru-MD" smtClean="0"/>
-              <a:t>03.12.2023</a:t>
+              <a:t>04.12.2023</a:t>
             </a:fld>
             <a:endParaRPr lang="ru-MD"/>
           </a:p>
@@ -517,7 +522,7 @@
           <a:p>
             <a:fld id="{58ADA21A-D7E6-423A-A796-9FF71BEFE561}" type="datetimeFigureOut">
               <a:rPr lang="ru-MD" smtClean="0"/>
-              <a:t>03.12.2023</a:t>
+              <a:t>04.12.2023</a:t>
             </a:fld>
             <a:endParaRPr lang="ru-MD"/>
           </a:p>
@@ -697,7 +702,7 @@
           <a:p>
             <a:fld id="{58ADA21A-D7E6-423A-A796-9FF71BEFE561}" type="datetimeFigureOut">
               <a:rPr lang="ru-MD" smtClean="0"/>
-              <a:t>03.12.2023</a:t>
+              <a:t>04.12.2023</a:t>
             </a:fld>
             <a:endParaRPr lang="ru-MD"/>
           </a:p>
@@ -867,7 +872,7 @@
           <a:p>
             <a:fld id="{58ADA21A-D7E6-423A-A796-9FF71BEFE561}" type="datetimeFigureOut">
               <a:rPr lang="ru-MD" smtClean="0"/>
-              <a:t>03.12.2023</a:t>
+              <a:t>04.12.2023</a:t>
             </a:fld>
             <a:endParaRPr lang="ru-MD"/>
           </a:p>
@@ -1121,7 +1126,7 @@
           <a:p>
             <a:fld id="{58ADA21A-D7E6-423A-A796-9FF71BEFE561}" type="datetimeFigureOut">
               <a:rPr lang="ru-MD" smtClean="0"/>
-              <a:t>03.12.2023</a:t>
+              <a:t>04.12.2023</a:t>
             </a:fld>
             <a:endParaRPr lang="ru-MD"/>
           </a:p>
@@ -1447,7 +1452,7 @@
           <a:p>
             <a:fld id="{58ADA21A-D7E6-423A-A796-9FF71BEFE561}" type="datetimeFigureOut">
               <a:rPr lang="ru-MD" smtClean="0"/>
-              <a:t>03.12.2023</a:t>
+              <a:t>04.12.2023</a:t>
             </a:fld>
             <a:endParaRPr lang="ru-MD"/>
           </a:p>
@@ -1898,7 +1903,7 @@
           <a:p>
             <a:fld id="{58ADA21A-D7E6-423A-A796-9FF71BEFE561}" type="datetimeFigureOut">
               <a:rPr lang="ru-MD" smtClean="0"/>
-              <a:t>03.12.2023</a:t>
+              <a:t>04.12.2023</a:t>
             </a:fld>
             <a:endParaRPr lang="ru-MD"/>
           </a:p>
@@ -2016,7 +2021,7 @@
           <a:p>
             <a:fld id="{58ADA21A-D7E6-423A-A796-9FF71BEFE561}" type="datetimeFigureOut">
               <a:rPr lang="ru-MD" smtClean="0"/>
-              <a:t>03.12.2023</a:t>
+              <a:t>04.12.2023</a:t>
             </a:fld>
             <a:endParaRPr lang="ru-MD"/>
           </a:p>
@@ -2111,7 +2116,7 @@
           <a:p>
             <a:fld id="{58ADA21A-D7E6-423A-A796-9FF71BEFE561}" type="datetimeFigureOut">
               <a:rPr lang="ru-MD" smtClean="0"/>
-              <a:t>03.12.2023</a:t>
+              <a:t>04.12.2023</a:t>
             </a:fld>
             <a:endParaRPr lang="ru-MD"/>
           </a:p>
@@ -2398,7 +2403,7 @@
           <a:p>
             <a:fld id="{58ADA21A-D7E6-423A-A796-9FF71BEFE561}" type="datetimeFigureOut">
               <a:rPr lang="ru-MD" smtClean="0"/>
-              <a:t>03.12.2023</a:t>
+              <a:t>04.12.2023</a:t>
             </a:fld>
             <a:endParaRPr lang="ru-MD"/>
           </a:p>
@@ -2720,7 +2725,7 @@
           <a:p>
             <a:fld id="{58ADA21A-D7E6-423A-A796-9FF71BEFE561}" type="datetimeFigureOut">
               <a:rPr lang="ru-MD" smtClean="0"/>
-              <a:t>03.12.2023</a:t>
+              <a:t>04.12.2023</a:t>
             </a:fld>
             <a:endParaRPr lang="ru-MD"/>
           </a:p>
@@ -2974,7 +2979,7 @@
           <a:p>
             <a:fld id="{58ADA21A-D7E6-423A-A796-9FF71BEFE561}" type="datetimeFigureOut">
               <a:rPr lang="ru-MD" smtClean="0"/>
-              <a:t>03.12.2023</a:t>
+              <a:t>04.12.2023</a:t>
             </a:fld>
             <a:endParaRPr lang="ru-MD"/>
           </a:p>
@@ -4030,6 +4035,64 @@
           </a:xfrm>
         </p:spPr>
       </p:pic>
+      <p:sp>
+        <p:nvSpPr>
+          <p:cNvPr id="3" name="TextBox 2">
+            <a:extLst>
+              <a:ext uri="{FF2B5EF4-FFF2-40B4-BE49-F238E27FC236}">
+                <a16:creationId xmlns:a16="http://schemas.microsoft.com/office/drawing/2014/main" id="{9C98A290-6CE4-4DEA-9CB1-8243F75FADA7}"/>
+              </a:ext>
+            </a:extLst>
+          </p:cNvPr>
+          <p:cNvSpPr txBox="1"/>
+          <p:nvPr/>
+        </p:nvSpPr>
+        <p:spPr>
+          <a:xfrm>
+            <a:off x="384313" y="5778500"/>
+            <a:ext cx="2902226" cy="923330"/>
+          </a:xfrm>
+          <a:prstGeom prst="rect">
+            <a:avLst/>
+          </a:prstGeom>
+          <a:noFill/>
+        </p:spPr>
+        <p:txBody>
+          <a:bodyPr wrap="square" rtlCol="0">
+            <a:spAutoFit/>
+          </a:bodyPr>
+          <a:lstStyle/>
+          <a:p>
+            <a:r>
+              <a:rPr lang="en-US" dirty="0" err="1"/>
+              <a:t>Costul</a:t>
+            </a:r>
+            <a:r>
+              <a:rPr lang="en-US" dirty="0"/>
+              <a:t> </a:t>
+            </a:r>
+            <a:r>
+              <a:rPr lang="en-US" dirty="0" err="1"/>
+              <a:t>este</a:t>
+            </a:r>
+            <a:r>
+              <a:rPr lang="en-US" dirty="0"/>
+              <a:t> 409 </a:t>
+            </a:r>
+            <a:r>
+              <a:rPr lang="en-US" dirty="0" err="1"/>
+              <a:t>milioane</a:t>
+            </a:r>
+            <a:r>
+              <a:rPr lang="en-US" dirty="0"/>
+              <a:t> lei</a:t>
+            </a:r>
+          </a:p>
+          <a:p>
+            <a:endParaRPr lang="ru-MD" dirty="0"/>
+          </a:p>
+        </p:txBody>
+      </p:sp>
     </p:spTree>
     <p:extLst>
       <p:ext uri="{BB962C8B-B14F-4D97-AF65-F5344CB8AC3E}">
@@ -10266,13 +10329,13 @@
               <a:rPr lang="en-US" dirty="0">
                 <a:latin typeface="Arial Black" panose="020B0A04020102020204" pitchFamily="34" charset="0"/>
               </a:rPr>
-              <a:t> </a:t>
+              <a:t> un </a:t>
             </a:r>
             <a:r>
               <a:rPr lang="en-US" dirty="0" err="1">
                 <a:latin typeface="Arial Black" panose="020B0A04020102020204" pitchFamily="34" charset="0"/>
               </a:rPr>
-              <a:t>unalgoritm</a:t>
+              <a:t>algoritm</a:t>
             </a:r>
             <a:r>
               <a:rPr lang="en-US" dirty="0">
@@ -10284,7 +10347,7 @@
               <a:rPr lang="en-US" dirty="0" err="1">
                 <a:latin typeface="Arial Black" panose="020B0A04020102020204" pitchFamily="34" charset="0"/>
               </a:rPr>
-              <a:t>înteoria</a:t>
+              <a:t>în</a:t>
             </a:r>
             <a:r>
               <a:rPr lang="en-US" dirty="0">
@@ -10296,6 +10359,18 @@
               <a:rPr lang="en-US" dirty="0" err="1">
                 <a:latin typeface="Arial Black" panose="020B0A04020102020204" pitchFamily="34" charset="0"/>
               </a:rPr>
+              <a:t>teoria</a:t>
+            </a:r>
+            <a:r>
+              <a:rPr lang="en-US" dirty="0">
+                <a:latin typeface="Arial Black" panose="020B0A04020102020204" pitchFamily="34" charset="0"/>
+              </a:rPr>
+              <a:t> </a:t>
+            </a:r>
+            <a:r>
+              <a:rPr lang="en-US" dirty="0" err="1">
+                <a:latin typeface="Arial Black" panose="020B0A04020102020204" pitchFamily="34" charset="0"/>
+              </a:rPr>
               <a:t>grafurilor</a:t>
             </a:r>
             <a:r>
@@ -10320,31 +10395,43 @@
               <a:rPr lang="en-US" dirty="0" err="1">
                 <a:latin typeface="Arial Black" panose="020B0A04020102020204" pitchFamily="34" charset="0"/>
               </a:rPr>
-              <a:t>arboreleparţialde</a:t>
+              <a:t>arborele</a:t>
             </a:r>
             <a:r>
               <a:rPr lang="en-US" dirty="0">
                 <a:latin typeface="Arial Black" panose="020B0A04020102020204" pitchFamily="34" charset="0"/>
               </a:rPr>
-              <a:t> cost minim </a:t>
+              <a:t> </a:t>
             </a:r>
             <a:r>
               <a:rPr lang="en-US" dirty="0" err="1">
                 <a:latin typeface="Arial Black" panose="020B0A04020102020204" pitchFamily="34" charset="0"/>
               </a:rPr>
+              <a:t>parţial</a:t>
+            </a:r>
+            <a:r>
+              <a:rPr lang="en-US" dirty="0">
+                <a:latin typeface="Arial Black" panose="020B0A04020102020204" pitchFamily="34" charset="0"/>
+              </a:rPr>
+              <a:t> de cost minim </a:t>
+            </a:r>
+            <a:r>
+              <a:rPr lang="en-US" dirty="0" err="1">
+                <a:latin typeface="Arial Black" panose="020B0A04020102020204" pitchFamily="34" charset="0"/>
+              </a:rPr>
               <a:t>pentru</a:t>
             </a:r>
             <a:r>
               <a:rPr lang="en-US" dirty="0">
                 <a:latin typeface="Arial Black" panose="020B0A04020102020204" pitchFamily="34" charset="0"/>
               </a:rPr>
-              <a:t> </a:t>
+              <a:t> un </a:t>
             </a:r>
             <a:r>
               <a:rPr lang="en-US" dirty="0" err="1">
                 <a:latin typeface="Arial Black" panose="020B0A04020102020204" pitchFamily="34" charset="0"/>
               </a:rPr>
-              <a:t>ungraf</a:t>
+              <a:t>graf</a:t>
             </a:r>
             <a:r>
               <a:rPr lang="en-US" dirty="0">
@@ -10404,12 +10491,24 @@
               <a:rPr lang="en-US" dirty="0" err="1">
                 <a:latin typeface="Arial Black" panose="020B0A04020102020204" pitchFamily="34" charset="0"/>
               </a:rPr>
-              <a:t>submulţimeamuchiilor</a:t>
+              <a:t>submulţime</a:t>
             </a:r>
             <a:r>
               <a:rPr lang="en-US" dirty="0">
                 <a:latin typeface="Arial Black" panose="020B0A04020102020204" pitchFamily="34" charset="0"/>
               </a:rPr>
+              <a:t> a </a:t>
+            </a:r>
+            <a:r>
+              <a:rPr lang="en-US" dirty="0" err="1">
+                <a:latin typeface="Arial Black" panose="020B0A04020102020204" pitchFamily="34" charset="0"/>
+              </a:rPr>
+              <a:t>muchiilor</a:t>
+            </a:r>
+            <a:r>
+              <a:rPr lang="en-US" dirty="0">
+                <a:latin typeface="Arial Black" panose="020B0A04020102020204" pitchFamily="34" charset="0"/>
+              </a:rPr>
               <a:t> care </a:t>
             </a:r>
             <a:r>
@@ -10656,7 +10755,7 @@
               <a:rPr lang="en-US" dirty="0" err="1">
                 <a:latin typeface="Arial Black" panose="020B0A04020102020204" pitchFamily="34" charset="0"/>
               </a:rPr>
-              <a:t>fiecarecomponentă</a:t>
+              <a:t>fiecare</a:t>
             </a:r>
             <a:r>
               <a:rPr lang="en-US" dirty="0">
@@ -10668,6 +10767,18 @@
               <a:rPr lang="en-US" dirty="0" err="1">
                 <a:latin typeface="Arial Black" panose="020B0A04020102020204" pitchFamily="34" charset="0"/>
               </a:rPr>
+              <a:t>componentă</a:t>
+            </a:r>
+            <a:r>
+              <a:rPr lang="en-US" dirty="0">
+                <a:latin typeface="Arial Black" panose="020B0A04020102020204" pitchFamily="34" charset="0"/>
+              </a:rPr>
+              <a:t> </a:t>
+            </a:r>
+            <a:r>
+              <a:rPr lang="en-US" dirty="0" err="1">
+                <a:latin typeface="Arial Black" panose="020B0A04020102020204" pitchFamily="34" charset="0"/>
+              </a:rPr>
               <a:t>conexă</a:t>
             </a:r>
             <a:r>
@@ -10722,13 +10833,13 @@
               <a:rPr lang="en-US" dirty="0">
                 <a:latin typeface="Arial Black" panose="020B0A04020102020204" pitchFamily="34" charset="0"/>
               </a:rPr>
-              <a:t> </a:t>
+              <a:t> de </a:t>
             </a:r>
             <a:r>
               <a:rPr lang="en-US" dirty="0" err="1">
                 <a:latin typeface="Arial Black" panose="020B0A04020102020204" pitchFamily="34" charset="0"/>
               </a:rPr>
-              <a:t>dealgoritm</a:t>
+              <a:t>algoritm</a:t>
             </a:r>
             <a:r>
               <a:rPr lang="en-US" dirty="0">
@@ -11049,13 +11160,13 @@
               <a:rPr lang="en-US" dirty="0">
                 <a:latin typeface="Arial Black" panose="020B0A04020102020204" pitchFamily="34" charset="0"/>
               </a:rPr>
-              <a:t> un </a:t>
+              <a:t> un arbore </a:t>
             </a:r>
             <a:r>
               <a:rPr lang="en-US" dirty="0" err="1">
                 <a:latin typeface="Arial Black" panose="020B0A04020102020204" pitchFamily="34" charset="0"/>
               </a:rPr>
-              <a:t>arboreseparat</a:t>
+              <a:t>separat</a:t>
             </a:r>
             <a:r>
               <a:rPr lang="en-US" dirty="0">
